--- a/docsrc/Presentation.pptx
+++ b/docsrc/Presentation.pptx
@@ -3285,7 +3285,7 @@
             <p:ph idx="1"/>
             <p:extLst>
               <p:ext uri="{D42A27DB-BD31-4B8C-83A1-F6EECF244321}">
-                <p14:modId xmlns:p14="http://schemas.microsoft.com/office/powerpoint/2010/main" val="1757246084"/>
+                <p14:modId xmlns:p14="http://schemas.microsoft.com/office/powerpoint/2010/main" val="1315671931"/>
               </p:ext>
             </p:extLst>
           </p:nvPr>
@@ -3362,13 +3362,19 @@
                     <a:bodyPr/>
                     <a:lstStyle/>
                     <a:p>
-                      <a:pPr>
+                      <a:pPr lvl="0" algn="l">
                         <a:buNone/>
                       </a:pPr>
                       <a:r>
-                        <a:rPr lang="en-US" dirty="0"/>
-                        <a:t>Specificity</a:t>
+                        <a:rPr lang="en-US" sz="1800" b="1" i="0" u="none" strike="noStrike" noProof="0" dirty="0">
+                          <a:solidFill>
+                            <a:srgbClr val="FFFFFF"/>
+                          </a:solidFill>
+                          <a:latin typeface="Calibri"/>
+                        </a:rPr>
+                        <a:t>Sensitivity</a:t>
                       </a:r>
+                      <a:endParaRPr lang="en-US" dirty="0"/>
                     </a:p>
                   </a:txBody>
                   <a:tcPr/>
@@ -3378,13 +3384,19 @@
                     <a:bodyPr/>
                     <a:lstStyle/>
                     <a:p>
-                      <a:pPr>
+                      <a:pPr lvl="0" algn="l">
                         <a:buNone/>
                       </a:pPr>
                       <a:r>
-                        <a:rPr lang="en-US" dirty="0"/>
-                        <a:t>Sensitivity</a:t>
+                        <a:rPr lang="en-US" sz="1800" b="1" i="0" u="none" strike="noStrike" noProof="0" dirty="0">
+                          <a:solidFill>
+                            <a:srgbClr val="FFFFFF"/>
+                          </a:solidFill>
+                          <a:latin typeface="Calibri"/>
+                        </a:rPr>
+                        <a:t>Specificity</a:t>
                       </a:r>
+                      <a:endParaRPr lang="en-US" dirty="0"/>
                     </a:p>
                   </a:txBody>
                   <a:tcPr/>
@@ -3869,7 +3881,12 @@
             <p:ph idx="1"/>
           </p:nvPr>
         </p:nvSpPr>
-        <p:spPr/>
+        <p:spPr>
+          <a:xfrm>
+            <a:off x="838200" y="1825625"/>
+            <a:ext cx="10515600" cy="2565011"/>
+          </a:xfrm>
+        </p:spPr>
         <p:txBody>
           <a:bodyPr vert="horz" lIns="91440" tIns="45720" rIns="91440" bIns="45720" rtlCol="0" anchor="t">
             <a:normAutofit/>
@@ -3927,27 +3944,79 @@
               <a:cs typeface="Calibri"/>
             </a:endParaRPr>
           </a:p>
-          <a:p>
-            <a:pPr marL="0" indent="0">
-              <a:buNone/>
+        </p:txBody>
+      </p:sp>
+      <p:sp>
+        <p:nvSpPr>
+          <p:cNvPr id="4" name="TextBox 3">
+            <a:extLst>
+              <a:ext uri="{FF2B5EF4-FFF2-40B4-BE49-F238E27FC236}">
+                <a16:creationId xmlns:a16="http://schemas.microsoft.com/office/drawing/2014/main" id="{875DEFA7-9362-48FF-AFA2-235942509EB2}"/>
+              </a:ext>
+            </a:extLst>
+          </p:cNvPr>
+          <p:cNvSpPr txBox="1"/>
+          <p:nvPr/>
+        </p:nvSpPr>
+        <p:spPr>
+          <a:xfrm>
+            <a:off x="839448" y="5092908"/>
+            <a:ext cx="10088379" cy="1273169"/>
+          </a:xfrm>
+          <a:prstGeom prst="rect">
+            <a:avLst/>
+          </a:prstGeom>
+        </p:spPr>
+        <p:txBody>
+          <a:bodyPr rot="0" spcFirstLastPara="0" vertOverflow="overflow" horzOverflow="overflow" vert="horz" wrap="square" lIns="91440" tIns="45720" rIns="91440" bIns="45720" numCol="1" spcCol="0" rtlCol="0" fromWordArt="0" anchor="t" anchorCtr="0" forceAA="0" compatLnSpc="1">
+            <a:prstTxWarp prst="textNoShape">
+              <a:avLst/>
+            </a:prstTxWarp>
+            <a:spAutoFit/>
+          </a:bodyPr>
+          <a:lstStyle/>
+          <a:p>
+            <a:pPr>
+              <a:lnSpc>
+                <a:spcPct val="90000"/>
+              </a:lnSpc>
+              <a:spcBef>
+                <a:spcPts val="1000"/>
+              </a:spcBef>
             </a:pPr>
             <a:r>
-              <a:rPr lang="en-US" dirty="0">
+              <a:rPr lang="en-US" sz="2800" b="1" dirty="0"/>
+              <a:t>Problem</a:t>
+            </a:r>
+            <a:r>
+              <a:rPr lang="en-US" sz="2800" b="1" dirty="0">
                 <a:cs typeface="Calibri"/>
               </a:rPr>
-              <a:t>Problem</a:t>
-            </a:r>
-          </a:p>
-          <a:p>
-            <a:pPr marL="0" indent="0">
-              <a:buNone/>
+              <a:t>:</a:t>
+            </a:r>
+          </a:p>
+          <a:p>
+            <a:pPr>
+              <a:lnSpc>
+                <a:spcPct val="90000"/>
+              </a:lnSpc>
+              <a:spcBef>
+                <a:spcPts val="1000"/>
+              </a:spcBef>
             </a:pPr>
             <a:r>
-              <a:rPr lang="en-US" dirty="0">
-                <a:cs typeface="Calibri"/>
-              </a:rPr>
-              <a:t>5. Could not get watershed algorithm to successfully segment lobes</a:t>
-            </a:r>
+              <a:rPr lang="en-US" sz="2800" dirty="0"/>
+              <a:t>Could not get watershed algorithm to successfully segment lobes</a:t>
+            </a:r>
+            <a:endParaRPr lang="en-US" sz="2800" dirty="0">
+              <a:cs typeface="Calibri"/>
+            </a:endParaRPr>
+          </a:p>
+          <a:p>
+            <a:pPr algn="ctr"/>
+            <a:endParaRPr lang="en-US" dirty="0">
+              <a:cs typeface="Calibri"/>
+            </a:endParaRPr>
           </a:p>
         </p:txBody>
       </p:sp>
@@ -3995,7 +4064,7 @@
                                           </p:stCondLst>
                                         </p:cTn>
                                         <p:tgtEl>
-                                          <p:spTgt spid="3"/>
+                                          <p:spTgt spid="4"/>
                                         </p:tgtEl>
                                         <p:attrNameLst>
                                           <p:attrName>style.visibility</p:attrName>
@@ -4036,7 +4105,7 @@
       </p:par>
     </p:tnLst>
     <p:bldLst>
-      <p:bldP spid="3" grpId="0"/>
+      <p:bldP spid="4" grpId="0"/>
     </p:bldLst>
   </p:timing>
 </p:sld>
